--- a/Computational-books&papers/cuda.pptx
+++ b/Computational-books&papers/cuda.pptx
@@ -9,6 +9,7 @@
     <p:sldId id="257" r:id="rId3"/>
     <p:sldId id="263" r:id="rId4"/>
     <p:sldId id="264" r:id="rId5"/>
+    <p:sldId id="265" r:id="rId6"/>
   </p:sldIdLst>
   <p:sldSz cx="12192000" cy="6858000"/>
   <p:notesSz cx="6858000" cy="9144000"/>
@@ -262,7 +263,7 @@
           <a:p>
             <a:fld id="{750C0A36-AB0E-41AD-8A0A-B030B5844F46}" type="datetimeFigureOut">
               <a:rPr lang="en-US" smtClean="0"/>
-              <a:t>12/27/2019</a:t>
+              <a:t>1/12/2020</a:t>
             </a:fld>
             <a:endParaRPr lang="en-US"/>
           </a:p>
@@ -460,7 +461,7 @@
           <a:p>
             <a:fld id="{750C0A36-AB0E-41AD-8A0A-B030B5844F46}" type="datetimeFigureOut">
               <a:rPr lang="en-US" smtClean="0"/>
-              <a:t>12/27/2019</a:t>
+              <a:t>1/12/2020</a:t>
             </a:fld>
             <a:endParaRPr lang="en-US"/>
           </a:p>
@@ -668,7 +669,7 @@
           <a:p>
             <a:fld id="{750C0A36-AB0E-41AD-8A0A-B030B5844F46}" type="datetimeFigureOut">
               <a:rPr lang="en-US" smtClean="0"/>
-              <a:t>12/27/2019</a:t>
+              <a:t>1/12/2020</a:t>
             </a:fld>
             <a:endParaRPr lang="en-US"/>
           </a:p>
@@ -866,7 +867,7 @@
           <a:p>
             <a:fld id="{750C0A36-AB0E-41AD-8A0A-B030B5844F46}" type="datetimeFigureOut">
               <a:rPr lang="en-US" smtClean="0"/>
-              <a:t>12/27/2019</a:t>
+              <a:t>1/12/2020</a:t>
             </a:fld>
             <a:endParaRPr lang="en-US"/>
           </a:p>
@@ -1141,7 +1142,7 @@
           <a:p>
             <a:fld id="{750C0A36-AB0E-41AD-8A0A-B030B5844F46}" type="datetimeFigureOut">
               <a:rPr lang="en-US" smtClean="0"/>
-              <a:t>12/27/2019</a:t>
+              <a:t>1/12/2020</a:t>
             </a:fld>
             <a:endParaRPr lang="en-US"/>
           </a:p>
@@ -1406,7 +1407,7 @@
           <a:p>
             <a:fld id="{750C0A36-AB0E-41AD-8A0A-B030B5844F46}" type="datetimeFigureOut">
               <a:rPr lang="en-US" smtClean="0"/>
-              <a:t>12/27/2019</a:t>
+              <a:t>1/12/2020</a:t>
             </a:fld>
             <a:endParaRPr lang="en-US"/>
           </a:p>
@@ -1818,7 +1819,7 @@
           <a:p>
             <a:fld id="{750C0A36-AB0E-41AD-8A0A-B030B5844F46}" type="datetimeFigureOut">
               <a:rPr lang="en-US" smtClean="0"/>
-              <a:t>12/27/2019</a:t>
+              <a:t>1/12/2020</a:t>
             </a:fld>
             <a:endParaRPr lang="en-US"/>
           </a:p>
@@ -1959,7 +1960,7 @@
           <a:p>
             <a:fld id="{750C0A36-AB0E-41AD-8A0A-B030B5844F46}" type="datetimeFigureOut">
               <a:rPr lang="en-US" smtClean="0"/>
-              <a:t>12/27/2019</a:t>
+              <a:t>1/12/2020</a:t>
             </a:fld>
             <a:endParaRPr lang="en-US"/>
           </a:p>
@@ -2072,7 +2073,7 @@
           <a:p>
             <a:fld id="{750C0A36-AB0E-41AD-8A0A-B030B5844F46}" type="datetimeFigureOut">
               <a:rPr lang="en-US" smtClean="0"/>
-              <a:t>12/27/2019</a:t>
+              <a:t>1/12/2020</a:t>
             </a:fld>
             <a:endParaRPr lang="en-US"/>
           </a:p>
@@ -2383,7 +2384,7 @@
           <a:p>
             <a:fld id="{750C0A36-AB0E-41AD-8A0A-B030B5844F46}" type="datetimeFigureOut">
               <a:rPr lang="en-US" smtClean="0"/>
-              <a:t>12/27/2019</a:t>
+              <a:t>1/12/2020</a:t>
             </a:fld>
             <a:endParaRPr lang="en-US"/>
           </a:p>
@@ -2671,7 +2672,7 @@
           <a:p>
             <a:fld id="{750C0A36-AB0E-41AD-8A0A-B030B5844F46}" type="datetimeFigureOut">
               <a:rPr lang="en-US" smtClean="0"/>
-              <a:t>12/27/2019</a:t>
+              <a:t>1/12/2020</a:t>
             </a:fld>
             <a:endParaRPr lang="en-US"/>
           </a:p>
@@ -2912,7 +2913,7 @@
           <a:p>
             <a:fld id="{750C0A36-AB0E-41AD-8A0A-B030B5844F46}" type="datetimeFigureOut">
               <a:rPr lang="en-US" smtClean="0"/>
-              <a:t>12/27/2019</a:t>
+              <a:t>1/12/2020</a:t>
             </a:fld>
             <a:endParaRPr lang="en-US"/>
           </a:p>
@@ -3760,6 +3761,128 @@
 </p:sld>
 </file>
 
+<file path=ppt/slides/slide5.xml><?xml version="1.0" encoding="utf-8"?>
+<p:sld xmlns:a="http://schemas.openxmlformats.org/drawingml/2006/main" xmlns:r="http://schemas.openxmlformats.org/officeDocument/2006/relationships" xmlns:p="http://schemas.openxmlformats.org/presentationml/2006/main">
+  <p:cSld>
+    <p:spTree>
+      <p:nvGrpSpPr>
+        <p:cNvPr id="1" name=""/>
+        <p:cNvGrpSpPr/>
+        <p:nvPr/>
+      </p:nvGrpSpPr>
+      <p:grpSpPr>
+        <a:xfrm>
+          <a:off x="0" y="0"/>
+          <a:ext cx="0" cy="0"/>
+          <a:chOff x="0" y="0"/>
+          <a:chExt cx="0" cy="0"/>
+        </a:xfrm>
+      </p:grpSpPr>
+      <p:sp>
+        <p:nvSpPr>
+          <p:cNvPr id="2" name="Title 1">
+            <a:extLst>
+              <a:ext uri="{FF2B5EF4-FFF2-40B4-BE49-F238E27FC236}">
+                <a16:creationId xmlns:a16="http://schemas.microsoft.com/office/drawing/2014/main" id="{C09CD24E-F390-4F62-8B7C-3406777AC4EE}"/>
+              </a:ext>
+            </a:extLst>
+          </p:cNvPr>
+          <p:cNvSpPr>
+            <a:spLocks noGrp="1"/>
+          </p:cNvSpPr>
+          <p:nvPr>
+            <p:ph type="title"/>
+          </p:nvPr>
+        </p:nvSpPr>
+        <p:spPr/>
+        <p:txBody>
+          <a:bodyPr/>
+          <a:lstStyle/>
+          <a:p>
+            <a:r>
+              <a:rPr lang="en-US" dirty="0" err="1"/>
+              <a:t>mpm</a:t>
+            </a:r>
+            <a:endParaRPr lang="en-US" dirty="0"/>
+          </a:p>
+        </p:txBody>
+      </p:sp>
+      <p:sp>
+        <p:nvSpPr>
+          <p:cNvPr id="3" name="Content Placeholder 2">
+            <a:extLst>
+              <a:ext uri="{FF2B5EF4-FFF2-40B4-BE49-F238E27FC236}">
+                <a16:creationId xmlns:a16="http://schemas.microsoft.com/office/drawing/2014/main" id="{D261167C-F10A-4960-9BBF-28C9D694FD55}"/>
+              </a:ext>
+            </a:extLst>
+          </p:cNvPr>
+          <p:cNvSpPr>
+            <a:spLocks noGrp="1"/>
+          </p:cNvSpPr>
+          <p:nvPr>
+            <p:ph idx="1"/>
+          </p:nvPr>
+        </p:nvSpPr>
+        <p:spPr/>
+        <p:txBody>
+          <a:bodyPr/>
+          <a:lstStyle/>
+          <a:p>
+            <a:r>
+              <a:rPr lang="en-US" dirty="0">
+                <a:hlinkClick r:id="rId2"/>
+              </a:rPr>
+              <a:t>https://github.com/kuiwuchn/GPUMPM</a:t>
+            </a:r>
+            <a:endParaRPr lang="en-US" dirty="0"/>
+          </a:p>
+          <a:p>
+            <a:r>
+              <a:rPr lang="en-US" dirty="0">
+                <a:hlinkClick r:id="rId3"/>
+              </a:rPr>
+              <a:t>https://zhuanlan.zhihu.com/p/97700605</a:t>
+            </a:r>
+            <a:endParaRPr lang="en-US" dirty="0"/>
+          </a:p>
+          <a:p>
+            <a:r>
+              <a:rPr lang="en-US" dirty="0" err="1"/>
+              <a:t>Sulsky</a:t>
+            </a:r>
+            <a:r>
+              <a:rPr lang="en-US" dirty="0"/>
+              <a:t>, D., Chen, Z., &amp; Schreyer, H. L. (1994). </a:t>
+            </a:r>
+            <a:r>
+              <a:rPr lang="en-US" i="1" dirty="0"/>
+              <a:t>A particle method for history-dependent materials. Computer Methods in Applied Mechanics and Engineering, 118(1-2), 179–196.</a:t>
+            </a:r>
+            <a:r>
+              <a:rPr lang="en-US" dirty="0"/>
+              <a:t> </a:t>
+            </a:r>
+            <a:r>
+              <a:rPr lang="en-US"/>
+              <a:t>doi:10.1016/0045-7825(94)90112-0 </a:t>
+            </a:r>
+            <a:endParaRPr lang="en-US" dirty="0"/>
+          </a:p>
+        </p:txBody>
+      </p:sp>
+    </p:spTree>
+    <p:extLst>
+      <p:ext uri="{BB962C8B-B14F-4D97-AF65-F5344CB8AC3E}">
+        <p14:creationId xmlns:p14="http://schemas.microsoft.com/office/powerpoint/2010/main" val="3115607027"/>
+      </p:ext>
+    </p:extLst>
+  </p:cSld>
+  <p:clrMapOvr>
+    <a:masterClrMapping/>
+  </p:clrMapOvr>
+</p:sld>
+</file>
+
 <file path=ppt/theme/theme1.xml><?xml version="1.0" encoding="utf-8"?>
 <a:theme xmlns:a="http://schemas.openxmlformats.org/drawingml/2006/main" name="Office Theme">
   <a:themeElements>
